--- a/HACKVISION VAULT 2K25_IDEA_Presentation_Format.pptx
+++ b/HACKVISION VAULT 2K25_IDEA_Presentation_Format.pptx
@@ -145,7 +145,7 @@
   </p:defaultTextStyle>
   <p:extLst>
     <p:ext uri="{EFAFB233-063F-42B5-8137-9DF3F51BA10A}">
-      <p15:sldGuideLst xmlns="" xmlns:p15="http://schemas.microsoft.com/office/powerpoint/2012/main">
+      <p15:sldGuideLst xmlns:p15="http://schemas.microsoft.com/office/powerpoint/2012/main" xmlns="">
         <p15:guide id="1" orient="horz" pos="2160" userDrawn="1">
           <p15:clr>
             <a:srgbClr val="A4A3A4"/>
@@ -262,7 +262,7 @@
             <a:fld id="{C4D5ADD5-2BBC-4A94-8F86-D9013941F742}" type="datetimeFigureOut">
               <a:rPr lang="en-US"/>
               <a:pPr/>
-              <a:t>3/22/2025</a:t>
+              <a:t>3/23/2025</a:t>
             </a:fld>
             <a:endParaRPr lang="en-US"/>
           </a:p>
@@ -450,7 +450,7 @@
     </p:spTree>
     <p:extLst>
       <p:ext uri="{BB962C8B-B14F-4D97-AF65-F5344CB8AC3E}">
-        <p14:creationId xmlns="" xmlns:p14="http://schemas.microsoft.com/office/powerpoint/2010/main" val="235749454"/>
+        <p14:creationId xmlns:p14="http://schemas.microsoft.com/office/powerpoint/2010/main" xmlns="" val="235749454"/>
       </p:ext>
     </p:extLst>
   </p:cSld>
@@ -771,7 +771,7 @@
     </p:spTree>
     <p:extLst>
       <p:ext uri="{BB962C8B-B14F-4D97-AF65-F5344CB8AC3E}">
-        <p14:creationId xmlns="" xmlns:p14="http://schemas.microsoft.com/office/powerpoint/2010/main" val="2904073229"/>
+        <p14:creationId xmlns:p14="http://schemas.microsoft.com/office/powerpoint/2010/main" xmlns="" val="2904073229"/>
       </p:ext>
     </p:extLst>
   </p:cSld>
@@ -890,7 +890,7 @@
     </p:spTree>
     <p:extLst>
       <p:ext uri="{BB962C8B-B14F-4D97-AF65-F5344CB8AC3E}">
-        <p14:creationId xmlns="" xmlns:p14="http://schemas.microsoft.com/office/powerpoint/2010/main" val="2335206292"/>
+        <p14:creationId xmlns:p14="http://schemas.microsoft.com/office/powerpoint/2010/main" xmlns="" val="2335206292"/>
       </p:ext>
     </p:extLst>
   </p:cSld>
@@ -1068,7 +1068,7 @@
     </p:spTree>
     <p:extLst>
       <p:ext uri="{BB962C8B-B14F-4D97-AF65-F5344CB8AC3E}">
-        <p14:creationId xmlns="" xmlns:p14="http://schemas.microsoft.com/office/powerpoint/2010/main" val="3773505461"/>
+        <p14:creationId xmlns:p14="http://schemas.microsoft.com/office/powerpoint/2010/main" xmlns="" val="3773505461"/>
       </p:ext>
     </p:extLst>
   </p:cSld>
@@ -1246,7 +1246,7 @@
     </p:spTree>
     <p:extLst>
       <p:ext uri="{BB962C8B-B14F-4D97-AF65-F5344CB8AC3E}">
-        <p14:creationId xmlns="" xmlns:p14="http://schemas.microsoft.com/office/powerpoint/2010/main" val="2641722845"/>
+        <p14:creationId xmlns:p14="http://schemas.microsoft.com/office/powerpoint/2010/main" xmlns="" val="2641722845"/>
       </p:ext>
     </p:extLst>
   </p:cSld>
@@ -1424,7 +1424,7 @@
     </p:spTree>
     <p:extLst>
       <p:ext uri="{BB962C8B-B14F-4D97-AF65-F5344CB8AC3E}">
-        <p14:creationId xmlns="" xmlns:p14="http://schemas.microsoft.com/office/powerpoint/2010/main" val="1908672725"/>
+        <p14:creationId xmlns:p14="http://schemas.microsoft.com/office/powerpoint/2010/main" xmlns="" val="1908672725"/>
       </p:ext>
     </p:extLst>
   </p:cSld>
@@ -1602,7 +1602,7 @@
     </p:spTree>
     <p:extLst>
       <p:ext uri="{BB962C8B-B14F-4D97-AF65-F5344CB8AC3E}">
-        <p14:creationId xmlns="" xmlns:p14="http://schemas.microsoft.com/office/powerpoint/2010/main" val="3783576877"/>
+        <p14:creationId xmlns:p14="http://schemas.microsoft.com/office/powerpoint/2010/main" xmlns="" val="3783576877"/>
       </p:ext>
     </p:extLst>
   </p:cSld>
@@ -1796,7 +1796,7 @@
             <a:fld id="{E60792E3-D524-454C-8AFD-A91972900BCB}" type="datetime1">
               <a:rPr lang="en-US" smtClean="0"/>
               <a:pPr/>
-              <a:t>3/22/2025</a:t>
+              <a:t>3/23/2025</a:t>
             </a:fld>
             <a:endParaRPr lang="en-US"/>
           </a:p>
@@ -1979,7 +1979,7 @@
             <a:fld id="{053C3A68-6922-42D3-8905-ECC2D82A3469}" type="datetime1">
               <a:rPr lang="en-US" smtClean="0"/>
               <a:pPr/>
-              <a:t>3/22/2025</a:t>
+              <a:t>3/23/2025</a:t>
             </a:fld>
             <a:endParaRPr lang="en-US"/>
           </a:p>
@@ -2172,7 +2172,7 @@
             <a:fld id="{CB69E9F4-7604-4950-A8B2-8ACDEDB1506E}" type="datetime1">
               <a:rPr lang="en-US" smtClean="0"/>
               <a:pPr/>
-              <a:t>3/22/2025</a:t>
+              <a:t>3/23/2025</a:t>
             </a:fld>
             <a:endParaRPr lang="en-US"/>
           </a:p>
@@ -2355,7 +2355,7 @@
             <a:fld id="{708B7524-32A2-4C20-A58C-BC3BAA1042FC}" type="datetime1">
               <a:rPr lang="en-US" smtClean="0"/>
               <a:pPr/>
-              <a:t>3/22/2025</a:t>
+              <a:t>3/23/2025</a:t>
             </a:fld>
             <a:endParaRPr lang="en-US"/>
           </a:p>
@@ -2615,7 +2615,7 @@
             <a:fld id="{1E994447-D6B2-43BB-A877-57F1A267B999}" type="datetime1">
               <a:rPr lang="en-US" smtClean="0"/>
               <a:pPr/>
-              <a:t>3/22/2025</a:t>
+              <a:t>3/23/2025</a:t>
             </a:fld>
             <a:endParaRPr lang="en-US"/>
           </a:p>
@@ -2915,7 +2915,7 @@
             <a:fld id="{68920E16-BD35-483C-AA6B-346FC7E46DEA}" type="datetime1">
               <a:rPr lang="en-US" smtClean="0"/>
               <a:pPr/>
-              <a:t>3/22/2025</a:t>
+              <a:t>3/23/2025</a:t>
             </a:fld>
             <a:endParaRPr lang="en-US"/>
           </a:p>
@@ -3349,7 +3349,7 @@
             <a:fld id="{2FEAC6F8-5103-4FC0-A69E-5C6AE6469DA8}" type="datetime1">
               <a:rPr lang="en-US" smtClean="0"/>
               <a:pPr/>
-              <a:t>3/22/2025</a:t>
+              <a:t>3/23/2025</a:t>
             </a:fld>
             <a:endParaRPr lang="en-US"/>
           </a:p>
@@ -3481,7 +3481,7 @@
             <a:fld id="{C60C6921-0627-4C8F-83D5-0CF936D2FFDD}" type="datetime1">
               <a:rPr lang="en-US" smtClean="0"/>
               <a:pPr/>
-              <a:t>3/22/2025</a:t>
+              <a:t>3/23/2025</a:t>
             </a:fld>
             <a:endParaRPr lang="en-US"/>
           </a:p>
@@ -3591,7 +3591,7 @@
             <a:fld id="{2FF08AD7-8103-40F8-983C-E2BA6BB9CBE0}" type="datetime1">
               <a:rPr lang="en-US" smtClean="0"/>
               <a:pPr/>
-              <a:t>3/22/2025</a:t>
+              <a:t>3/23/2025</a:t>
             </a:fld>
             <a:endParaRPr lang="en-US"/>
           </a:p>
@@ -3881,7 +3881,7 @@
             <a:fld id="{DF8C06B4-9380-4A4D-AF49-A3596E17DAF5}" type="datetime1">
               <a:rPr lang="en-US" smtClean="0"/>
               <a:pPr/>
-              <a:t>3/22/2025</a:t>
+              <a:t>3/23/2025</a:t>
             </a:fld>
             <a:endParaRPr lang="en-US"/>
           </a:p>
@@ -4151,7 +4151,7 @@
             <a:fld id="{EF7FDEF1-C582-4E22-9E77-D68326471F28}" type="datetime1">
               <a:rPr lang="en-US" smtClean="0"/>
               <a:pPr/>
-              <a:t>3/22/2025</a:t>
+              <a:t>3/23/2025</a:t>
             </a:fld>
             <a:endParaRPr lang="en-US"/>
           </a:p>
@@ -4405,7 +4405,7 @@
             <a:fld id="{780A9602-A9A9-453F-AEF1-37B5837E02CD}" type="datetime1">
               <a:rPr lang="en-US" smtClean="0"/>
               <a:pPr/>
-              <a:t>3/22/2025</a:t>
+              <a:t>3/23/2025</a:t>
             </a:fld>
             <a:endParaRPr lang="en-US"/>
           </a:p>
@@ -4945,10 +4945,10 @@
           <p:cNvPr id="36" name="Rectangle 24">
             <a:extLst>
               <a:ext uri="{FF2B5EF4-FFF2-40B4-BE49-F238E27FC236}">
-                <a16:creationId xmlns="" xmlns:a16="http://schemas.microsoft.com/office/drawing/2014/main" id="{3E443FD7-A66B-4AA0-872D-B088B9BC5F17}"/>
+                <a16:creationId xmlns:a16="http://schemas.microsoft.com/office/drawing/2014/main" xmlns="" id="{3E443FD7-A66B-4AA0-872D-B088B9BC5F17}"/>
               </a:ext>
               <a:ext uri="{C183D7F6-B498-43B3-948B-1728B52AA6E4}">
-                <adec:decorative xmlns:adec="http://schemas.microsoft.com/office/drawing/2017/decorative" xmlns="" val="1"/>
+                <adec:decorative xmlns="" xmlns:adec="http://schemas.microsoft.com/office/drawing/2017/decorative" val="1"/>
               </a:ext>
             </a:extLst>
           </p:cNvPr>
@@ -4958,7 +4958,7 @@
           <p:nvPr>
             <p:extLst>
               <p:ext uri="{386F3935-93C4-4BCD-93E2-E3B085C9AB24}">
-                <p16:designElem xmlns="" xmlns:p16="http://schemas.microsoft.com/office/powerpoint/2015/main" val="1"/>
+                <p16:designElem xmlns:p16="http://schemas.microsoft.com/office/powerpoint/2015/main" xmlns="" val="1"/>
               </p:ext>
             </p:extLst>
           </p:nvPr>
@@ -5200,10 +5200,10 @@
           <p:cNvPr id="15" name="Freeform: Shape 26">
             <a:extLst>
               <a:ext uri="{FF2B5EF4-FFF2-40B4-BE49-F238E27FC236}">
-                <a16:creationId xmlns="" xmlns:a16="http://schemas.microsoft.com/office/drawing/2014/main" id="{C04BE0EF-3561-49B4-9A29-F283168A91C7}"/>
+                <a16:creationId xmlns:a16="http://schemas.microsoft.com/office/drawing/2014/main" xmlns="" id="{C04BE0EF-3561-49B4-9A29-F283168A91C7}"/>
               </a:ext>
               <a:ext uri="{C183D7F6-B498-43B3-948B-1728B52AA6E4}">
-                <adec:decorative xmlns:adec="http://schemas.microsoft.com/office/drawing/2017/decorative" xmlns="" val="1"/>
+                <adec:decorative xmlns="" xmlns:adec="http://schemas.microsoft.com/office/drawing/2017/decorative" val="1"/>
               </a:ext>
             </a:extLst>
           </p:cNvPr>
@@ -5213,7 +5213,7 @@
           <p:nvPr>
             <p:extLst>
               <p:ext uri="{386F3935-93C4-4BCD-93E2-E3B085C9AB24}">
-                <p16:designElem xmlns="" xmlns:p16="http://schemas.microsoft.com/office/powerpoint/2015/main" val="1"/>
+                <p16:designElem xmlns:p16="http://schemas.microsoft.com/office/powerpoint/2015/main" xmlns="" val="1"/>
               </p:ext>
             </p:extLst>
           </p:nvPr>
@@ -5974,10 +5974,10 @@
           <p:cNvPr id="11" name="Freeform: Shape 26">
             <a:extLst>
               <a:ext uri="{FF2B5EF4-FFF2-40B4-BE49-F238E27FC236}">
-                <a16:creationId xmlns="" xmlns:a16="http://schemas.microsoft.com/office/drawing/2014/main" id="{C04BE0EF-3561-49B4-9A29-F283168A91C7}"/>
+                <a16:creationId xmlns:a16="http://schemas.microsoft.com/office/drawing/2014/main" xmlns="" id="{C04BE0EF-3561-49B4-9A29-F283168A91C7}"/>
               </a:ext>
               <a:ext uri="{C183D7F6-B498-43B3-948B-1728B52AA6E4}">
-                <adec:decorative xmlns:adec="http://schemas.microsoft.com/office/drawing/2017/decorative" xmlns="" val="1"/>
+                <adec:decorative xmlns="" xmlns:adec="http://schemas.microsoft.com/office/drawing/2017/decorative" val="1"/>
               </a:ext>
             </a:extLst>
           </p:cNvPr>
@@ -5987,7 +5987,7 @@
           <p:nvPr>
             <p:extLst>
               <p:ext uri="{386F3935-93C4-4BCD-93E2-E3B085C9AB24}">
-                <p16:designElem xmlns="" xmlns:p16="http://schemas.microsoft.com/office/powerpoint/2015/main" val="1"/>
+                <p16:designElem xmlns:p16="http://schemas.microsoft.com/office/powerpoint/2015/main" xmlns="" val="1"/>
               </p:ext>
             </p:extLst>
           </p:nvPr>
@@ -6787,14 +6787,7 @@
                 <a:latin typeface="Arial" panose="020B0604020202020204" pitchFamily="34" charset="0"/>
                 <a:cs typeface="Arial" panose="020B0604020202020204" pitchFamily="34" charset="0"/>
               </a:rPr>
-              <a:t>-</a:t>
-            </a:r>
-            <a:r>
-              <a:rPr lang="en-US" sz="2400" b="1" dirty="0" smtClean="0">
-                <a:latin typeface="Arial" panose="020B0604020202020204" pitchFamily="34" charset="0"/>
-                <a:cs typeface="Arial" panose="020B0604020202020204" pitchFamily="34" charset="0"/>
-              </a:rPr>
-              <a:t> HVLT-010</a:t>
+              <a:t>- HVLT-010</a:t>
             </a:r>
             <a:endParaRPr lang="en-US" sz="2400" b="1" dirty="0">
               <a:latin typeface="Arial" panose="020B0604020202020204" pitchFamily="34" charset="0"/>
@@ -7235,19 +7228,7 @@
                 <a:latin typeface="Arial" pitchFamily="34" charset="0"/>
                 <a:cs typeface="Arial" pitchFamily="34" charset="0"/>
               </a:rPr>
-              <a:t> </a:t>
-            </a:r>
-            <a:r>
-              <a:rPr lang="en-US" sz="2800" b="1" dirty="0" smtClean="0">
-                <a:solidFill>
-                  <a:schemeClr val="tx2">
-                    <a:lumMod val="75000"/>
-                  </a:schemeClr>
-                </a:solidFill>
-                <a:latin typeface="Arial" pitchFamily="34" charset="0"/>
-                <a:cs typeface="Arial" pitchFamily="34" charset="0"/>
-              </a:rPr>
-              <a:t>:</a:t>
+              <a:t> :</a:t>
             </a:r>
           </a:p>
           <a:p>
@@ -7271,7 +7252,6 @@
               <a:rPr lang="en-US" sz="2400" dirty="0" smtClean="0"/>
               <a:t> for collection of waste</a:t>
             </a:r>
-            <a:endParaRPr lang="en-US" sz="2400" dirty="0" smtClean="0"/>
           </a:p>
           <a:p>
             <a:pPr>
@@ -7298,7 +7278,6 @@
               <a:rPr lang="en-US" sz="2400" dirty="0" smtClean="0"/>
               <a:t>Analyzing Waste Categories and insights from the Model, for waste management and decision </a:t>
             </a:r>
-            <a:endParaRPr lang="en-US" sz="2400" dirty="0" smtClean="0"/>
           </a:p>
           <a:p>
             <a:pPr>
@@ -7308,15 +7287,7 @@
             </a:pPr>
             <a:r>
               <a:rPr lang="en-US" sz="2400" dirty="0" smtClean="0"/>
-              <a:t> </a:t>
-            </a:r>
-            <a:r>
-              <a:rPr lang="en-US" sz="2400" dirty="0" smtClean="0"/>
-              <a:t> making</a:t>
-            </a:r>
-            <a:r>
-              <a:rPr lang="en-US" sz="2400" dirty="0" smtClean="0"/>
-              <a:t>.</a:t>
+              <a:t>  making.</a:t>
             </a:r>
           </a:p>
           <a:p>
@@ -7423,10 +7394,10 @@
           <p:cNvPr id="10" name="Oval 9" descr="Your startup LOGO">
             <a:extLst>
               <a:ext uri="{FF2B5EF4-FFF2-40B4-BE49-F238E27FC236}">
-                <a16:creationId xmlns="" xmlns:a16="http://schemas.microsoft.com/office/drawing/2014/main" id="{5DBCE864-823D-4A13-9607-5DA1F0ED5FB8}"/>
+                <a16:creationId xmlns:a16="http://schemas.microsoft.com/office/drawing/2014/main" xmlns="" id="{5DBCE864-823D-4A13-9607-5DA1F0ED5FB8}"/>
               </a:ext>
               <a:ext uri="{C183D7F6-B498-43B3-948B-1728B52AA6E4}">
-                <adec:decorative xmlns:adec="http://schemas.microsoft.com/office/drawing/2017/decorative" xmlns="" val="0"/>
+                <adec:decorative xmlns="" xmlns:adec="http://schemas.microsoft.com/office/drawing/2017/decorative" val="0"/>
               </a:ext>
             </a:extLst>
           </p:cNvPr>
@@ -7535,7 +7506,7 @@
           <p:cNvPr id="10" name="Rectangle 9">
             <a:extLst>
               <a:ext uri="{FF2B5EF4-FFF2-40B4-BE49-F238E27FC236}">
-                <a16:creationId xmlns="" xmlns:a16="http://schemas.microsoft.com/office/drawing/2014/main" id="{AD4F69D3-EEB0-4C4C-9434-B9960FB5854C}"/>
+                <a16:creationId xmlns:a16="http://schemas.microsoft.com/office/drawing/2014/main" xmlns="" id="{AD4F69D3-EEB0-4C4C-9434-B9960FB5854C}"/>
               </a:ext>
             </a:extLst>
           </p:cNvPr>
@@ -7619,13 +7590,18 @@
               <a:t>TECHNICAL  </a:t>
             </a:r>
             <a:r>
-              <a:rPr lang="en-US" sz="3600" b="1" dirty="0">
+              <a:rPr lang="en-US" sz="3600" b="1" dirty="0" smtClean="0">
                 <a:latin typeface="Times New Roman" panose="02020603050405020304" pitchFamily="18" charset="0"/>
                 <a:ea typeface="ＭＳ Ｐゴシック" pitchFamily="1" charset="-128"/>
                 <a:cs typeface="Times New Roman" panose="02020603050405020304" pitchFamily="18" charset="0"/>
               </a:rPr>
               <a:t>APPROACH</a:t>
             </a:r>
+            <a:endParaRPr lang="en-US" sz="3600" b="1" dirty="0">
+              <a:latin typeface="Times New Roman" panose="02020603050405020304" pitchFamily="18" charset="0"/>
+              <a:ea typeface="ＭＳ Ｐゴシック" pitchFamily="1" charset="-128"/>
+              <a:cs typeface="Times New Roman" panose="02020603050405020304" pitchFamily="18" charset="0"/>
+            </a:endParaRPr>
           </a:p>
         </p:txBody>
       </p:sp>
@@ -7705,10 +7681,10 @@
           <p:cNvPr id="11" name="Oval 10" descr="Your startup LOGO">
             <a:extLst>
               <a:ext uri="{FF2B5EF4-FFF2-40B4-BE49-F238E27FC236}">
-                <a16:creationId xmlns="" xmlns:a16="http://schemas.microsoft.com/office/drawing/2014/main" id="{5DBCE864-823D-4A13-9607-5DA1F0ED5FB8}"/>
+                <a16:creationId xmlns:a16="http://schemas.microsoft.com/office/drawing/2014/main" xmlns="" id="{5DBCE864-823D-4A13-9607-5DA1F0ED5FB8}"/>
               </a:ext>
               <a:ext uri="{C183D7F6-B498-43B3-948B-1728B52AA6E4}">
-                <adec:decorative xmlns:adec="http://schemas.microsoft.com/office/drawing/2017/decorative" xmlns="" val="0"/>
+                <adec:decorative xmlns="" xmlns:adec="http://schemas.microsoft.com/office/drawing/2017/decorative" val="0"/>
               </a:ext>
             </a:extLst>
           </p:cNvPr>
@@ -7810,7 +7786,7 @@
           <p:cNvPr id="10" name="Rectangle 9">
             <a:extLst>
               <a:ext uri="{FF2B5EF4-FFF2-40B4-BE49-F238E27FC236}">
-                <a16:creationId xmlns="" xmlns:a16="http://schemas.microsoft.com/office/drawing/2014/main" id="{AD4F69D3-EEB0-4C4C-9434-B9960FB5854C}"/>
+                <a16:creationId xmlns:a16="http://schemas.microsoft.com/office/drawing/2014/main" xmlns="" id="{AD4F69D3-EEB0-4C4C-9434-B9960FB5854C}"/>
               </a:ext>
             </a:extLst>
           </p:cNvPr>
@@ -7921,8 +7897,8 @@
         </p:nvSpPr>
         <p:spPr bwMode="auto">
           <a:xfrm>
-            <a:off x="609600" y="2533653"/>
-            <a:ext cx="9385300" cy="1384995"/>
+            <a:off x="329773" y="1222813"/>
+            <a:ext cx="11252627" cy="4808368"/>
           </a:xfrm>
           <a:prstGeom prst="rect">
             <a:avLst/>
@@ -7941,143 +7917,246 @@
           </a:bodyPr>
           <a:lstStyle/>
           <a:p>
-            <a:pPr marL="342900" marR="0" lvl="0" indent="-342900" algn="just" defTabSz="457200" rtl="0" eaLnBrk="1" fontAlgn="base" latinLnBrk="0" hangingPunct="1">
+            <a:pPr>
               <a:lnSpc>
-                <a:spcPct val="100000"/>
+                <a:spcPct val="110000"/>
               </a:lnSpc>
-              <a:spcBef>
-                <a:spcPct val="0"/>
-              </a:spcBef>
-              <a:spcAft>
-                <a:spcPct val="0"/>
-              </a:spcAft>
-              <a:buClrTx/>
-              <a:buSzTx/>
-              <a:buFont typeface="Arial" panose="020B0604020202020204" pitchFamily="34" charset="0"/>
+              <a:buFont typeface="Arial" pitchFamily="34" charset="0"/>
               <a:buChar char="•"/>
-              <a:tabLst/>
-              <a:defRPr/>
             </a:pPr>
             <a:r>
-              <a:rPr lang="en-US" sz="2800" dirty="0">
-                <a:solidFill>
-                  <a:prstClr val="black"/>
-                </a:solidFill>
-                <a:latin typeface="Arial" pitchFamily="34" charset="0"/>
-                <a:cs typeface="Arial" pitchFamily="34" charset="0"/>
-              </a:rPr>
-              <a:t>Analysis of the feasibility of the idea</a:t>
-            </a:r>
-            <a:endParaRPr kumimoji="0" lang="en-US" sz="2800" b="0" i="0" u="none" strike="noStrike" kern="1200" cap="none" spc="0" normalizeH="0" baseline="0" noProof="0" dirty="0">
-              <a:ln>
-                <a:noFill/>
-              </a:ln>
-              <a:solidFill>
-                <a:prstClr val="black"/>
-              </a:solidFill>
-              <a:effectLst/>
-              <a:uLnTx/>
-              <a:uFillTx/>
-              <a:latin typeface="Arial" pitchFamily="34" charset="0"/>
-              <a:ea typeface="ＭＳ Ｐゴシック" pitchFamily="1" charset="-128"/>
-              <a:cs typeface="Arial" pitchFamily="34" charset="0"/>
-            </a:endParaRPr>
-          </a:p>
-          <a:p>
-            <a:pPr marL="342900" marR="0" lvl="0" indent="-342900" algn="just" defTabSz="457200" rtl="0" eaLnBrk="1" fontAlgn="base" latinLnBrk="0" hangingPunct="1">
+              <a:rPr lang="en-US" sz="2800" b="1" dirty="0" smtClean="0"/>
+              <a:t>Expand AI Model:</a:t>
+            </a:r>
+            <a:r>
+              <a:rPr lang="en-US" sz="2800" dirty="0" smtClean="0"/>
+              <a:t> Train AI to detect </a:t>
+            </a:r>
+            <a:r>
+              <a:rPr lang="en-US" sz="2800" b="1" dirty="0" smtClean="0"/>
+              <a:t>metal, organic, and electronic waste</a:t>
+            </a:r>
+            <a:r>
+              <a:rPr lang="en-US" sz="2800" dirty="0" smtClean="0"/>
+              <a:t>.</a:t>
+            </a:r>
+          </a:p>
+          <a:p>
+            <a:pPr>
               <a:lnSpc>
-                <a:spcPct val="100000"/>
+                <a:spcPct val="110000"/>
               </a:lnSpc>
-              <a:spcBef>
-                <a:spcPct val="0"/>
-              </a:spcBef>
-              <a:spcAft>
-                <a:spcPct val="0"/>
-              </a:spcAft>
-              <a:buClrTx/>
-              <a:buSzTx/>
-              <a:buFont typeface="Arial" panose="020B0604020202020204" pitchFamily="34" charset="0"/>
+              <a:buFont typeface="Arial" pitchFamily="34" charset="0"/>
               <a:buChar char="•"/>
-              <a:tabLst/>
-              <a:defRPr/>
             </a:pPr>
             <a:r>
-              <a:rPr lang="en-US" sz="2800" dirty="0">
-                <a:solidFill>
-                  <a:prstClr val="black"/>
-                </a:solidFill>
-                <a:latin typeface="Arial" pitchFamily="34" charset="0"/>
-                <a:cs typeface="Arial" pitchFamily="34" charset="0"/>
-              </a:rPr>
-              <a:t>Potential challenges and risks</a:t>
-            </a:r>
-          </a:p>
-          <a:p>
-            <a:pPr marL="342900" marR="0" lvl="0" indent="-342900" algn="just" defTabSz="457200" rtl="0" eaLnBrk="1" fontAlgn="base" latinLnBrk="0" hangingPunct="1">
+              <a:rPr lang="en-US" sz="2800" b="1" dirty="0" smtClean="0"/>
+              <a:t>Smart </a:t>
+            </a:r>
+            <a:r>
+              <a:rPr lang="en-US" sz="2800" b="1" dirty="0" smtClean="0"/>
+              <a:t>Bin Integration:</a:t>
+            </a:r>
+            <a:r>
+              <a:rPr lang="en-US" sz="2800" dirty="0" smtClean="0"/>
+              <a:t> Automate detection with </a:t>
+            </a:r>
+            <a:r>
+              <a:rPr lang="en-US" sz="2800" b="1" dirty="0" err="1" smtClean="0"/>
+              <a:t>IoT</a:t>
+            </a:r>
+            <a:r>
+              <a:rPr lang="en-US" sz="2800" b="1" dirty="0" smtClean="0"/>
+              <a:t>-based smart bins</a:t>
+            </a:r>
+            <a:r>
+              <a:rPr lang="en-US" sz="2800" dirty="0" smtClean="0"/>
+              <a:t>.</a:t>
+            </a:r>
+          </a:p>
+          <a:p>
+            <a:pPr>
               <a:lnSpc>
-                <a:spcPct val="100000"/>
+                <a:spcPct val="110000"/>
               </a:lnSpc>
-              <a:spcBef>
-                <a:spcPct val="0"/>
-              </a:spcBef>
-              <a:spcAft>
-                <a:spcPct val="0"/>
-              </a:spcAft>
-              <a:buClrTx/>
-              <a:buSzTx/>
-              <a:buFont typeface="Arial" panose="020B0604020202020204" pitchFamily="34" charset="0"/>
+              <a:buFont typeface="Arial" pitchFamily="34" charset="0"/>
               <a:buChar char="•"/>
-              <a:tabLst/>
-              <a:defRPr/>
             </a:pPr>
             <a:r>
-              <a:rPr kumimoji="0" lang="en-US" sz="2800" b="0" i="0" u="none" strike="noStrike" kern="1200" cap="none" spc="0" normalizeH="0" baseline="0" noProof="0" dirty="0">
-                <a:ln>
-                  <a:noFill/>
-                </a:ln>
-                <a:solidFill>
-                  <a:prstClr val="black"/>
-                </a:solidFill>
-                <a:effectLst/>
-                <a:uLnTx/>
-                <a:uFillTx/>
-                <a:latin typeface="Arial" pitchFamily="34" charset="0"/>
-                <a:ea typeface="ＭＳ Ｐゴシック" pitchFamily="1" charset="-128"/>
-                <a:cs typeface="Arial" pitchFamily="34" charset="0"/>
-              </a:rPr>
-              <a:t>Strategies</a:t>
-            </a:r>
-            <a:r>
-              <a:rPr kumimoji="0" lang="en-US" sz="2800" b="0" i="0" u="none" strike="noStrike" kern="1200" cap="none" spc="0" normalizeH="0" noProof="0" dirty="0">
-                <a:ln>
-                  <a:noFill/>
-                </a:ln>
-                <a:solidFill>
-                  <a:prstClr val="black"/>
-                </a:solidFill>
-                <a:effectLst/>
-                <a:uLnTx/>
-                <a:uFillTx/>
-                <a:latin typeface="Arial" pitchFamily="34" charset="0"/>
-                <a:ea typeface="ＭＳ Ｐゴシック" pitchFamily="1" charset="-128"/>
-                <a:cs typeface="Arial" pitchFamily="34" charset="0"/>
-              </a:rPr>
-              <a:t> for overcoming these challenges</a:t>
-            </a:r>
-            <a:endParaRPr kumimoji="0" lang="en-US" sz="2800" b="0" i="0" u="none" strike="noStrike" kern="1200" cap="none" spc="0" normalizeH="0" baseline="0" noProof="0" dirty="0">
-              <a:ln>
-                <a:noFill/>
-              </a:ln>
-              <a:solidFill>
-                <a:prstClr val="black"/>
-              </a:solidFill>
-              <a:effectLst/>
-              <a:uLnTx/>
-              <a:uFillTx/>
-              <a:latin typeface="Arial" pitchFamily="34" charset="0"/>
-              <a:ea typeface="ＭＳ Ｐゴシック" pitchFamily="1" charset="-128"/>
-              <a:cs typeface="Arial" pitchFamily="34" charset="0"/>
-            </a:endParaRPr>
+              <a:rPr lang="en-US" sz="2800" b="1" dirty="0" smtClean="0"/>
+              <a:t>Build </a:t>
+            </a:r>
+            <a:r>
+              <a:rPr lang="en-US" sz="2800" b="1" dirty="0" smtClean="0"/>
+              <a:t>a Full-Fledged Platform:</a:t>
+            </a:r>
+            <a:r>
+              <a:rPr lang="en-US" sz="2800" dirty="0" smtClean="0"/>
+              <a:t> Add </a:t>
+            </a:r>
+            <a:r>
+              <a:rPr lang="en-US" sz="2800" b="1" dirty="0" smtClean="0"/>
+              <a:t>backend &amp; mobile app</a:t>
+            </a:r>
+            <a:r>
+              <a:rPr lang="en-US" sz="2800" dirty="0" smtClean="0"/>
+              <a:t> for seamless </a:t>
+            </a:r>
+            <a:endParaRPr lang="en-US" sz="2800" dirty="0" smtClean="0"/>
+          </a:p>
+          <a:p>
+            <a:pPr>
+              <a:lnSpc>
+                <a:spcPct val="110000"/>
+              </a:lnSpc>
+            </a:pPr>
+            <a:r>
+              <a:rPr lang="en-US" sz="2800" dirty="0" smtClean="0"/>
+              <a:t> </a:t>
+            </a:r>
+            <a:r>
+              <a:rPr lang="en-US" sz="2800" dirty="0" smtClean="0"/>
+              <a:t> tracking.</a:t>
+            </a:r>
+          </a:p>
+          <a:p>
+            <a:pPr>
+              <a:lnSpc>
+                <a:spcPct val="110000"/>
+              </a:lnSpc>
+              <a:buFont typeface="Arial" pitchFamily="34" charset="0"/>
+              <a:buChar char="•"/>
+            </a:pPr>
+            <a:r>
+              <a:rPr lang="en-US" sz="2800" b="1" dirty="0" err="1" smtClean="0"/>
+              <a:t>Blockchain</a:t>
+            </a:r>
+            <a:r>
+              <a:rPr lang="en-US" sz="2800" b="1" dirty="0" smtClean="0"/>
+              <a:t> </a:t>
+            </a:r>
+            <a:r>
+              <a:rPr lang="en-US" sz="2800" b="1" dirty="0" smtClean="0"/>
+              <a:t>for Waste Transparency:</a:t>
+            </a:r>
+            <a:r>
+              <a:rPr lang="en-US" sz="2800" dirty="0" smtClean="0"/>
+              <a:t> Track waste disposal </a:t>
+            </a:r>
+            <a:r>
+              <a:rPr lang="en-US" sz="2800" b="1" dirty="0" smtClean="0"/>
+              <a:t>securely &amp; </a:t>
+            </a:r>
+            <a:endParaRPr lang="en-US" sz="2800" b="1" dirty="0" smtClean="0"/>
+          </a:p>
+          <a:p>
+            <a:pPr>
+              <a:lnSpc>
+                <a:spcPct val="110000"/>
+              </a:lnSpc>
+            </a:pPr>
+            <a:r>
+              <a:rPr lang="en-US" sz="2800" b="1" dirty="0" smtClean="0"/>
+              <a:t> </a:t>
+            </a:r>
+            <a:r>
+              <a:rPr lang="en-US" sz="2800" b="1" dirty="0" smtClean="0"/>
+              <a:t> transparently</a:t>
+            </a:r>
+            <a:r>
+              <a:rPr lang="en-US" sz="2800" dirty="0" smtClean="0"/>
+              <a:t>.</a:t>
+            </a:r>
+          </a:p>
+          <a:p>
+            <a:pPr>
+              <a:lnSpc>
+                <a:spcPct val="110000"/>
+              </a:lnSpc>
+              <a:buFont typeface="Arial" pitchFamily="34" charset="0"/>
+              <a:buChar char="•"/>
+            </a:pPr>
+            <a:r>
+              <a:rPr lang="en-US" sz="2800" b="1" dirty="0" smtClean="0"/>
+              <a:t>Government </a:t>
+            </a:r>
+            <a:r>
+              <a:rPr lang="en-US" sz="2800" b="1" dirty="0" smtClean="0"/>
+              <a:t>&amp; NGO Partnerships:</a:t>
+            </a:r>
+            <a:r>
+              <a:rPr lang="en-US" sz="2800" dirty="0" smtClean="0"/>
+              <a:t> Collaborate for </a:t>
+            </a:r>
+            <a:r>
+              <a:rPr lang="en-US" sz="2800" b="1" dirty="0" smtClean="0"/>
+              <a:t>real-world </a:t>
+            </a:r>
+            <a:r>
+              <a:rPr lang="en-US" sz="2800" b="1" dirty="0" smtClean="0"/>
+              <a:t> </a:t>
+            </a:r>
+          </a:p>
+          <a:p>
+            <a:pPr>
+              <a:lnSpc>
+                <a:spcPct val="110000"/>
+              </a:lnSpc>
+            </a:pPr>
+            <a:r>
+              <a:rPr lang="en-US" sz="2800" b="1" dirty="0" smtClean="0"/>
+              <a:t>  implementation</a:t>
+            </a:r>
+            <a:r>
+              <a:rPr lang="en-US" sz="2800" dirty="0" smtClean="0"/>
+              <a:t>.</a:t>
+            </a:r>
+          </a:p>
+          <a:p>
+            <a:pPr>
+              <a:lnSpc>
+                <a:spcPct val="110000"/>
+              </a:lnSpc>
+              <a:buFont typeface="Arial" pitchFamily="34" charset="0"/>
+              <a:buChar char="•"/>
+            </a:pPr>
+            <a:r>
+              <a:rPr lang="en-US" sz="2800" b="1" dirty="0" smtClean="0"/>
+              <a:t>Long-Term </a:t>
+            </a:r>
+            <a:r>
+              <a:rPr lang="en-US" sz="2800" b="1" dirty="0" smtClean="0"/>
+              <a:t>Goal:</a:t>
+            </a:r>
+            <a:r>
+              <a:rPr lang="en-US" sz="2800" dirty="0" smtClean="0"/>
+              <a:t> </a:t>
+            </a:r>
+            <a:r>
+              <a:rPr lang="en-US" sz="2800" i="1" dirty="0" smtClean="0"/>
+              <a:t>Make AI-driven waste management the standard for </a:t>
+            </a:r>
+            <a:endParaRPr lang="en-US" sz="2800" i="1" dirty="0" smtClean="0"/>
+          </a:p>
+          <a:p>
+            <a:pPr>
+              <a:lnSpc>
+                <a:spcPct val="110000"/>
+              </a:lnSpc>
+            </a:pPr>
+            <a:r>
+              <a:rPr lang="en-US" sz="2800" i="1" dirty="0" smtClean="0"/>
+              <a:t> </a:t>
+            </a:r>
+            <a:r>
+              <a:rPr lang="en-US" sz="2800" i="1" dirty="0" smtClean="0"/>
+              <a:t> smart </a:t>
+            </a:r>
+            <a:r>
+              <a:rPr lang="en-US" sz="2800" i="1" dirty="0" smtClean="0"/>
+              <a:t>cities.</a:t>
+            </a:r>
+            <a:endParaRPr lang="en-US" sz="2800" dirty="0"/>
           </a:p>
         </p:txBody>
       </p:sp>
@@ -8208,10 +8287,10 @@
           <p:cNvPr id="12" name="Oval 11" descr="Your startup LOGO">
             <a:extLst>
               <a:ext uri="{FF2B5EF4-FFF2-40B4-BE49-F238E27FC236}">
-                <a16:creationId xmlns="" xmlns:a16="http://schemas.microsoft.com/office/drawing/2014/main" id="{5DBCE864-823D-4A13-9607-5DA1F0ED5FB8}"/>
+                <a16:creationId xmlns:a16="http://schemas.microsoft.com/office/drawing/2014/main" xmlns="" id="{5DBCE864-823D-4A13-9607-5DA1F0ED5FB8}"/>
               </a:ext>
               <a:ext uri="{C183D7F6-B498-43B3-948B-1728B52AA6E4}">
-                <adec:decorative xmlns:adec="http://schemas.microsoft.com/office/drawing/2017/decorative" xmlns="" val="0"/>
+                <adec:decorative xmlns="" xmlns:adec="http://schemas.microsoft.com/office/drawing/2017/decorative" val="0"/>
               </a:ext>
             </a:extLst>
           </p:cNvPr>
@@ -8247,8 +8326,11 @@
           <a:p>
             <a:pPr algn="ctr"/>
             <a:r>
-              <a:rPr lang="en-US" dirty="0"/>
-              <a:t>Your Team Name</a:t>
+              <a:rPr lang="en-US" b="1" dirty="0" smtClean="0">
+                <a:latin typeface="Arial" panose="020B0604020202020204" pitchFamily="34" charset="0"/>
+                <a:cs typeface="Arial" panose="020B0604020202020204" pitchFamily="34" charset="0"/>
+              </a:rPr>
+              <a:t>The Boys</a:t>
             </a:r>
             <a:endParaRPr lang="en-IN" dirty="0"/>
           </a:p>
@@ -8283,7 +8365,7 @@
     </p:spTree>
     <p:extLst>
       <p:ext uri="{BB962C8B-B14F-4D97-AF65-F5344CB8AC3E}">
-        <p14:creationId xmlns="" xmlns:p14="http://schemas.microsoft.com/office/powerpoint/2010/main" val="3753387913"/>
+        <p14:creationId xmlns:p14="http://schemas.microsoft.com/office/powerpoint/2010/main" xmlns="" val="3753387913"/>
       </p:ext>
     </p:extLst>
   </p:cSld>
@@ -8315,7 +8397,7 @@
           <p:cNvPr id="10" name="Rectangle 9">
             <a:extLst>
               <a:ext uri="{FF2B5EF4-FFF2-40B4-BE49-F238E27FC236}">
-                <a16:creationId xmlns="" xmlns:a16="http://schemas.microsoft.com/office/drawing/2014/main" id="{AD4F69D3-EEB0-4C4C-9434-B9960FB5854C}"/>
+                <a16:creationId xmlns:a16="http://schemas.microsoft.com/office/drawing/2014/main" xmlns="" id="{AD4F69D3-EEB0-4C4C-9434-B9960FB5854C}"/>
               </a:ext>
             </a:extLst>
           </p:cNvPr>
@@ -8412,102 +8494,6 @@
                 <a:cs typeface="Times New Roman" panose="02020603050405020304" pitchFamily="18" charset="0"/>
               </a:rPr>
               <a:t>IMPACT AND BENEFITS</a:t>
-            </a:r>
-          </a:p>
-        </p:txBody>
-      </p:sp>
-      <p:sp>
-        <p:nvSpPr>
-          <p:cNvPr id="17410" name="TextBox 8"/>
-          <p:cNvSpPr txBox="1">
-            <a:spLocks noChangeArrowheads="1"/>
-          </p:cNvSpPr>
-          <p:nvPr/>
-        </p:nvSpPr>
-        <p:spPr bwMode="auto">
-          <a:xfrm>
-            <a:off x="609600" y="2533653"/>
-            <a:ext cx="10972800" cy="954107"/>
-          </a:xfrm>
-          <a:prstGeom prst="rect">
-            <a:avLst/>
-          </a:prstGeom>
-          <a:noFill/>
-          <a:ln w="9525">
-            <a:noFill/>
-            <a:miter lim="800000"/>
-            <a:headEnd/>
-            <a:tailEnd/>
-          </a:ln>
-        </p:spPr>
-        <p:txBody>
-          <a:bodyPr wrap="square">
-            <a:spAutoFit/>
-          </a:bodyPr>
-          <a:lstStyle/>
-          <a:p>
-            <a:pPr marL="342900" marR="0" lvl="0" indent="-342900" algn="just" defTabSz="457200" rtl="0" eaLnBrk="1" fontAlgn="base" latinLnBrk="0" hangingPunct="1">
-              <a:lnSpc>
-                <a:spcPct val="100000"/>
-              </a:lnSpc>
-              <a:spcBef>
-                <a:spcPct val="0"/>
-              </a:spcBef>
-              <a:spcAft>
-                <a:spcPct val="0"/>
-              </a:spcAft>
-              <a:buClrTx/>
-              <a:buSzTx/>
-              <a:buFont typeface="Arial" panose="020B0604020202020204" pitchFamily="34" charset="0"/>
-              <a:buChar char="•"/>
-              <a:tabLst/>
-              <a:defRPr/>
-            </a:pPr>
-            <a:r>
-              <a:rPr kumimoji="0" lang="en-US" sz="2800" b="0" i="0" u="none" strike="noStrike" kern="1200" cap="none" spc="0" normalizeH="0" baseline="0" noProof="0" dirty="0">
-                <a:ln>
-                  <a:noFill/>
-                </a:ln>
-                <a:solidFill>
-                  <a:prstClr val="black"/>
-                </a:solidFill>
-                <a:effectLst/>
-                <a:uLnTx/>
-                <a:uFillTx/>
-                <a:latin typeface="Arial" pitchFamily="34" charset="0"/>
-                <a:ea typeface="ＭＳ Ｐゴシック" pitchFamily="1" charset="-128"/>
-                <a:cs typeface="Arial" pitchFamily="34" charset="0"/>
-              </a:rPr>
-              <a:t>Potential impact on the target audience</a:t>
-            </a:r>
-          </a:p>
-          <a:p>
-            <a:pPr marL="342900" marR="0" lvl="0" indent="-342900" algn="just" defTabSz="457200" rtl="0" eaLnBrk="1" fontAlgn="base" latinLnBrk="0" hangingPunct="1">
-              <a:lnSpc>
-                <a:spcPct val="100000"/>
-              </a:lnSpc>
-              <a:spcBef>
-                <a:spcPct val="0"/>
-              </a:spcBef>
-              <a:spcAft>
-                <a:spcPct val="0"/>
-              </a:spcAft>
-              <a:buClrTx/>
-              <a:buSzTx/>
-              <a:buFont typeface="Arial" panose="020B0604020202020204" pitchFamily="34" charset="0"/>
-              <a:buChar char="•"/>
-              <a:tabLst/>
-              <a:defRPr/>
-            </a:pPr>
-            <a:r>
-              <a:rPr lang="en-US" sz="2800" dirty="0">
-                <a:solidFill>
-                  <a:prstClr val="black"/>
-                </a:solidFill>
-                <a:latin typeface="Arial" pitchFamily="34" charset="0"/>
-                <a:cs typeface="Arial" pitchFamily="34" charset="0"/>
-              </a:rPr>
-              <a:t>Benefits of the solution (social, economic, environmental, etc.)</a:t>
             </a:r>
           </a:p>
         </p:txBody>
@@ -8639,10 +8625,10 @@
           <p:cNvPr id="12" name="Oval 11" descr="Your startup LOGO">
             <a:extLst>
               <a:ext uri="{FF2B5EF4-FFF2-40B4-BE49-F238E27FC236}">
-                <a16:creationId xmlns="" xmlns:a16="http://schemas.microsoft.com/office/drawing/2014/main" id="{5DBCE864-823D-4A13-9607-5DA1F0ED5FB8}"/>
+                <a16:creationId xmlns:a16="http://schemas.microsoft.com/office/drawing/2014/main" xmlns="" id="{5DBCE864-823D-4A13-9607-5DA1F0ED5FB8}"/>
               </a:ext>
               <a:ext uri="{C183D7F6-B498-43B3-948B-1728B52AA6E4}">
-                <adec:decorative xmlns:adec="http://schemas.microsoft.com/office/drawing/2017/decorative" xmlns="" val="0"/>
+                <adec:decorative xmlns="" xmlns:adec="http://schemas.microsoft.com/office/drawing/2017/decorative" val="0"/>
               </a:ext>
             </a:extLst>
           </p:cNvPr>
@@ -8678,8 +8664,11 @@
           <a:p>
             <a:pPr algn="ctr"/>
             <a:r>
-              <a:rPr lang="en-US" dirty="0"/>
-              <a:t>Your Team Name</a:t>
+              <a:rPr lang="en-US" b="1" dirty="0" smtClean="0">
+                <a:latin typeface="Arial" panose="020B0604020202020204" pitchFamily="34" charset="0"/>
+                <a:cs typeface="Arial" panose="020B0604020202020204" pitchFamily="34" charset="0"/>
+              </a:rPr>
+              <a:t>The Boys</a:t>
             </a:r>
             <a:endParaRPr lang="en-IN" dirty="0"/>
           </a:p>
@@ -8711,10 +8700,201 @@
           <a:noFill/>
         </p:spPr>
       </p:pic>
+      <p:sp>
+        <p:nvSpPr>
+          <p:cNvPr id="13" name="Rectangle 12"/>
+          <p:cNvSpPr/>
+          <p:nvPr/>
+        </p:nvSpPr>
+        <p:spPr>
+          <a:xfrm>
+            <a:off x="1329294" y="908708"/>
+            <a:ext cx="10862706" cy="5447645"/>
+          </a:xfrm>
+          <a:prstGeom prst="rect">
+            <a:avLst/>
+          </a:prstGeom>
+        </p:spPr>
+        <p:txBody>
+          <a:bodyPr wrap="square">
+            <a:spAutoFit/>
+          </a:bodyPr>
+          <a:lstStyle/>
+          <a:p>
+            <a:pPr>
+              <a:buFont typeface="Wingdings" pitchFamily="2" charset="2"/>
+              <a:buChar char="Ø"/>
+            </a:pPr>
+            <a:r>
+              <a:rPr lang="en-US" sz="3200" b="1" u="sng" dirty="0" smtClean="0"/>
+              <a:t>Expected </a:t>
+            </a:r>
+            <a:r>
+              <a:rPr lang="en-US" sz="3200" b="1" u="sng" dirty="0" smtClean="0"/>
+              <a:t>Impact of </a:t>
+            </a:r>
+            <a:r>
+              <a:rPr lang="en-US" sz="3200" b="1" u="sng" dirty="0" err="1" smtClean="0"/>
+              <a:t>RewardBin</a:t>
+            </a:r>
+            <a:r>
+              <a:rPr lang="en-US" sz="3200" b="1" u="sng" dirty="0" smtClean="0"/>
+              <a:t>:</a:t>
+            </a:r>
+          </a:p>
+          <a:p>
+            <a:endParaRPr lang="en-US" sz="2800" u="sng" dirty="0" smtClean="0"/>
+          </a:p>
+          <a:p>
+            <a:pPr>
+              <a:buFont typeface="Arial" pitchFamily="34" charset="0"/>
+              <a:buChar char="•"/>
+            </a:pPr>
+            <a:r>
+              <a:rPr lang="en-US" sz="3200" b="1" dirty="0" smtClean="0"/>
+              <a:t>Encourages </a:t>
+            </a:r>
+            <a:r>
+              <a:rPr lang="en-US" sz="3200" b="1" dirty="0" smtClean="0"/>
+              <a:t>households</a:t>
+            </a:r>
+            <a:r>
+              <a:rPr lang="en-US" sz="3200" dirty="0" smtClean="0"/>
+              <a:t> to actively participate in waste </a:t>
+            </a:r>
+            <a:r>
+              <a:rPr lang="en-US" sz="3200" dirty="0" smtClean="0"/>
+              <a:t> </a:t>
+            </a:r>
+          </a:p>
+          <a:p>
+            <a:r>
+              <a:rPr lang="en-US" sz="3200" dirty="0" smtClean="0"/>
+              <a:t> </a:t>
+            </a:r>
+            <a:r>
+              <a:rPr lang="en-US" sz="3200" dirty="0" smtClean="0"/>
+              <a:t> disposal.</a:t>
+            </a:r>
+          </a:p>
+          <a:p>
+            <a:pPr>
+              <a:buFont typeface="Arial" pitchFamily="34" charset="0"/>
+              <a:buChar char="•"/>
+            </a:pPr>
+            <a:r>
+              <a:rPr lang="en-US" sz="3200" dirty="0" smtClean="0"/>
+              <a:t> </a:t>
+            </a:r>
+            <a:r>
+              <a:rPr lang="en-US" sz="3200" b="1" dirty="0" smtClean="0"/>
+              <a:t>Provides financial stability</a:t>
+            </a:r>
+            <a:r>
+              <a:rPr lang="en-US" sz="3200" dirty="0" smtClean="0"/>
+              <a:t> to vendors with structured </a:t>
+            </a:r>
+            <a:endParaRPr lang="en-US" sz="3200" dirty="0" smtClean="0"/>
+          </a:p>
+          <a:p>
+            <a:r>
+              <a:rPr lang="en-US" sz="3200" dirty="0" smtClean="0"/>
+              <a:t> </a:t>
+            </a:r>
+            <a:r>
+              <a:rPr lang="en-US" sz="3200" dirty="0" smtClean="0"/>
+              <a:t> earnings.</a:t>
+            </a:r>
+          </a:p>
+          <a:p>
+            <a:pPr>
+              <a:buFont typeface="Arial" pitchFamily="34" charset="0"/>
+              <a:buChar char="•"/>
+            </a:pPr>
+            <a:r>
+              <a:rPr lang="en-US" sz="3200" b="1" dirty="0" smtClean="0"/>
+              <a:t>Reduces </a:t>
+            </a:r>
+            <a:r>
+              <a:rPr lang="en-US" sz="3200" b="1" dirty="0" smtClean="0"/>
+              <a:t>plastic waste accumulation</a:t>
+            </a:r>
+            <a:r>
+              <a:rPr lang="en-US" sz="3200" dirty="0" smtClean="0"/>
+              <a:t>, making cities cleaner</a:t>
+            </a:r>
+            <a:r>
+              <a:rPr lang="en-US" sz="3200" dirty="0" smtClean="0"/>
+              <a:t>.</a:t>
+            </a:r>
+          </a:p>
+          <a:p>
+            <a:pPr>
+              <a:buFont typeface="Arial" pitchFamily="34" charset="0"/>
+              <a:buChar char="•"/>
+            </a:pPr>
+            <a:r>
+              <a:rPr lang="en-US" sz="3200" b="1" dirty="0" smtClean="0"/>
+              <a:t>Highly </a:t>
+            </a:r>
+            <a:r>
+              <a:rPr lang="en-US" sz="3200" b="1" dirty="0" smtClean="0"/>
+              <a:t>scalable</a:t>
+            </a:r>
+            <a:r>
+              <a:rPr lang="en-US" sz="3200" dirty="0" smtClean="0"/>
+              <a:t> – Can expand to schools, offices, and smart city </a:t>
+            </a:r>
+            <a:r>
+              <a:rPr lang="en-US" sz="3200" dirty="0" smtClean="0"/>
+              <a:t> </a:t>
+            </a:r>
+          </a:p>
+          <a:p>
+            <a:r>
+              <a:rPr lang="en-US" sz="3200" dirty="0" smtClean="0"/>
+              <a:t> </a:t>
+            </a:r>
+            <a:r>
+              <a:rPr lang="en-US" sz="3200" dirty="0" smtClean="0"/>
+              <a:t> programs.</a:t>
+            </a:r>
+          </a:p>
+          <a:p>
+            <a:pPr>
+              <a:buFont typeface="Arial" pitchFamily="34" charset="0"/>
+              <a:buChar char="•"/>
+            </a:pPr>
+            <a:r>
+              <a:rPr lang="en-US" sz="3200" b="1" dirty="0" smtClean="0"/>
+              <a:t> </a:t>
+            </a:r>
+            <a:r>
+              <a:rPr lang="en-US" sz="3200" b="1" dirty="0" smtClean="0"/>
+              <a:t>Using 3R principle </a:t>
+            </a:r>
+            <a:r>
+              <a:rPr lang="en-US" sz="3200" dirty="0" smtClean="0"/>
+              <a:t>for collected wastes and make it reusable as </a:t>
+            </a:r>
+          </a:p>
+          <a:p>
+            <a:r>
+              <a:rPr lang="en-US" sz="3200" dirty="0" smtClean="0"/>
+              <a:t> </a:t>
+            </a:r>
+            <a:r>
+              <a:rPr lang="en-US" sz="3200" dirty="0" smtClean="0"/>
+              <a:t> possible.</a:t>
+            </a:r>
+            <a:endParaRPr lang="en-US" sz="3200" dirty="0"/>
+          </a:p>
+        </p:txBody>
+      </p:sp>
     </p:spTree>
     <p:extLst>
       <p:ext uri="{BB962C8B-B14F-4D97-AF65-F5344CB8AC3E}">
-        <p14:creationId xmlns="" xmlns:p14="http://schemas.microsoft.com/office/powerpoint/2010/main" val="2997144140"/>
+        <p14:creationId xmlns:p14="http://schemas.microsoft.com/office/powerpoint/2010/main" xmlns="" val="2997144140"/>
       </p:ext>
     </p:extLst>
   </p:cSld>
@@ -8746,7 +8926,7 @@
           <p:cNvPr id="10" name="Rectangle 9">
             <a:extLst>
               <a:ext uri="{FF2B5EF4-FFF2-40B4-BE49-F238E27FC236}">
-                <a16:creationId xmlns="" xmlns:a16="http://schemas.microsoft.com/office/drawing/2014/main" id="{AD4F69D3-EEB0-4C4C-9434-B9960FB5854C}"/>
+                <a16:creationId xmlns:a16="http://schemas.microsoft.com/office/drawing/2014/main" xmlns="" id="{AD4F69D3-EEB0-4C4C-9434-B9960FB5854C}"/>
               </a:ext>
             </a:extLst>
           </p:cNvPr>
@@ -9048,10 +9228,10 @@
           <p:cNvPr id="9" name="Oval 8" descr="Your startup LOGO">
             <a:extLst>
               <a:ext uri="{FF2B5EF4-FFF2-40B4-BE49-F238E27FC236}">
-                <a16:creationId xmlns="" xmlns:a16="http://schemas.microsoft.com/office/drawing/2014/main" id="{5DBCE864-823D-4A13-9607-5DA1F0ED5FB8}"/>
+                <a16:creationId xmlns:a16="http://schemas.microsoft.com/office/drawing/2014/main" xmlns="" id="{5DBCE864-823D-4A13-9607-5DA1F0ED5FB8}"/>
               </a:ext>
               <a:ext uri="{C183D7F6-B498-43B3-948B-1728B52AA6E4}">
-                <adec:decorative xmlns:adec="http://schemas.microsoft.com/office/drawing/2017/decorative" xmlns="" val="0"/>
+                <adec:decorative xmlns="" xmlns:adec="http://schemas.microsoft.com/office/drawing/2017/decorative" val="0"/>
               </a:ext>
             </a:extLst>
           </p:cNvPr>
@@ -9087,8 +9267,11 @@
           <a:p>
             <a:pPr algn="ctr"/>
             <a:r>
-              <a:rPr lang="en-US" dirty="0"/>
-              <a:t>Your Team Name</a:t>
+              <a:rPr lang="en-US" b="1" dirty="0" smtClean="0">
+                <a:latin typeface="Arial" panose="020B0604020202020204" pitchFamily="34" charset="0"/>
+                <a:cs typeface="Arial" panose="020B0604020202020204" pitchFamily="34" charset="0"/>
+              </a:rPr>
+              <a:t>The Boys</a:t>
             </a:r>
             <a:endParaRPr lang="en-IN" dirty="0"/>
           </a:p>
@@ -9123,7 +9306,7 @@
     </p:spTree>
     <p:extLst>
       <p:ext uri="{BB962C8B-B14F-4D97-AF65-F5344CB8AC3E}">
-        <p14:creationId xmlns="" xmlns:p14="http://schemas.microsoft.com/office/powerpoint/2010/main" val="3916788613"/>
+        <p14:creationId xmlns:p14="http://schemas.microsoft.com/office/powerpoint/2010/main" xmlns="" val="3916788613"/>
       </p:ext>
     </p:extLst>
   </p:cSld>
@@ -9155,7 +9338,7 @@
           <p:cNvPr id="10" name="Rectangle 9">
             <a:extLst>
               <a:ext uri="{FF2B5EF4-FFF2-40B4-BE49-F238E27FC236}">
-                <a16:creationId xmlns="" xmlns:a16="http://schemas.microsoft.com/office/drawing/2014/main" id="{AD4F69D3-EEB0-4C4C-9434-B9960FB5854C}"/>
+                <a16:creationId xmlns:a16="http://schemas.microsoft.com/office/drawing/2014/main" xmlns="" id="{AD4F69D3-EEB0-4C4C-9434-B9960FB5854C}"/>
               </a:ext>
             </a:extLst>
           </p:cNvPr>
@@ -10070,7 +10253,7 @@
     </p:spTree>
     <p:extLst>
       <p:ext uri="{BB962C8B-B14F-4D97-AF65-F5344CB8AC3E}">
-        <p14:creationId xmlns="" xmlns:p14="http://schemas.microsoft.com/office/powerpoint/2010/main" val="1588084416"/>
+        <p14:creationId xmlns:p14="http://schemas.microsoft.com/office/powerpoint/2010/main" xmlns="" val="1588084416"/>
       </p:ext>
     </p:extLst>
   </p:cSld>
